--- a/Slides-Report-Nhom46-Detai11.pptx
+++ b/Slides-Report-Nhom46-Detai11.pptx
@@ -27,23 +27,24 @@
     <p:sldId id="271" r:id="rId22"/>
     <p:sldId id="272" r:id="rId23"/>
     <p:sldId id="273" r:id="rId24"/>
+    <p:sldId id="274" r:id="rId25"/>
   </p:sldIdLst>
   <p:sldSz cy="5143500" cx="9144000"/>
   <p:notesSz cx="6858000" cy="9144000"/>
   <p:embeddedFontLst>
     <p:embeddedFont>
       <p:font typeface="Raleway"/>
-      <p:regular r:id="rId25"/>
-      <p:bold r:id="rId26"/>
-      <p:italic r:id="rId27"/>
-      <p:boldItalic r:id="rId28"/>
+      <p:regular r:id="rId26"/>
+      <p:bold r:id="rId27"/>
+      <p:italic r:id="rId28"/>
+      <p:boldItalic r:id="rId29"/>
     </p:embeddedFont>
     <p:embeddedFont>
       <p:font typeface="Lato"/>
-      <p:regular r:id="rId29"/>
-      <p:bold r:id="rId30"/>
-      <p:italic r:id="rId31"/>
-      <p:boldItalic r:id="rId32"/>
+      <p:regular r:id="rId30"/>
+      <p:bold r:id="rId31"/>
+      <p:italic r:id="rId32"/>
+      <p:boldItalic r:id="rId33"/>
     </p:embeddedFont>
   </p:embeddedFontLst>
   <p:defaultTextStyle>
@@ -1666,6 +1667,105 @@
       <p:sp>
         <p:nvSpPr>
           <p:cNvPr id="253" name="Google Shape;253;g17fcc3e3c4d_3_148:notes"/>
+          <p:cNvSpPr txBox="1"/>
+          <p:nvPr>
+            <p:ph idx="1" type="body"/>
+          </p:nvPr>
+        </p:nvSpPr>
+        <p:spPr>
+          <a:xfrm>
+            <a:off x="685800" y="4343400"/>
+            <a:ext cx="5486400" cy="4114800"/>
+          </a:xfrm>
+          <a:prstGeom prst="rect">
+            <a:avLst/>
+          </a:prstGeom>
+        </p:spPr>
+        <p:txBody>
+          <a:bodyPr anchorCtr="0" anchor="t" bIns="91425" lIns="91425" spcFirstLastPara="1" rIns="91425" wrap="square" tIns="91425">
+            <a:noAutofit/>
+          </a:bodyPr>
+          <a:lstStyle/>
+          <a:p>
+            <a:pPr indent="0" lvl="0" marL="0" rtl="0" algn="l">
+              <a:spcBef>
+                <a:spcPts val="0"/>
+              </a:spcBef>
+              <a:spcAft>
+                <a:spcPts val="0"/>
+              </a:spcAft>
+              <a:buNone/>
+            </a:pPr>
+            <a:r>
+              <a:t/>
+            </a:r>
+            <a:endParaRPr/>
+          </a:p>
+        </p:txBody>
+      </p:sp>
+    </p:spTree>
+  </p:cSld>
+  <p:clrMapOvr>
+    <a:masterClrMapping/>
+  </p:clrMapOvr>
+</p:notes>
+</file>
+
+<file path=ppt/notesSlides/notesSlide19.xml><?xml version="1.0" encoding="utf-8"?>
+<p:notes xmlns:a="http://schemas.openxmlformats.org/drawingml/2006/main" xmlns:r="http://schemas.openxmlformats.org/officeDocument/2006/relationships" xmlns:mc="http://schemas.openxmlformats.org/markup-compatibility/2006" xmlns:mv="urn:schemas-microsoft-com:mac:vml" xmlns:p="http://schemas.openxmlformats.org/presentationml/2006/main" xmlns:c="http://schemas.openxmlformats.org/drawingml/2006/chart" xmlns:dgm="http://schemas.openxmlformats.org/drawingml/2006/diagram" xmlns:o="urn:schemas-microsoft-com:office:office" xmlns:v="urn:schemas-microsoft-com:vml" xmlns:pvml="urn:schemas-microsoft-com:office:powerpoint" xmlns:com="http://schemas.openxmlformats.org/drawingml/2006/compatibility" xmlns:p14="http://schemas.microsoft.com/office/powerpoint/2010/main" xmlns:p15="http://schemas.microsoft.com/office/powerpoint/2012/main" xmlns:ahyp="http://schemas.microsoft.com/office/drawing/2018/hyperlinkcolor" showMasterPhAnim="0" showMasterSp="0">
+  <p:cSld>
+    <p:spTree>
+      <p:nvGrpSpPr>
+        <p:cNvPr id="259" name="Shape 259"/>
+        <p:cNvGrpSpPr/>
+        <p:nvPr/>
+      </p:nvGrpSpPr>
+      <p:grpSpPr>
+        <a:xfrm>
+          <a:off x="0" y="0"/>
+          <a:ext cx="0" cy="0"/>
+          <a:chOff x="0" y="0"/>
+          <a:chExt cx="0" cy="0"/>
+        </a:xfrm>
+      </p:grpSpPr>
+      <p:sp>
+        <p:nvSpPr>
+          <p:cNvPr id="260" name="Google Shape;260;g17fcc3e3c4d_11_0:notes"/>
+          <p:cNvSpPr/>
+          <p:nvPr>
+            <p:ph idx="2" type="sldImg"/>
+          </p:nvPr>
+        </p:nvSpPr>
+        <p:spPr>
+          <a:xfrm>
+            <a:off x="381300" y="685800"/>
+            <a:ext cx="6096000" cy="3429000"/>
+          </a:xfrm>
+          <a:custGeom>
+            <a:rect b="b" l="l" r="r" t="t"/>
+            <a:pathLst>
+              <a:path extrusionOk="0" h="120000" w="120000">
+                <a:moveTo>
+                  <a:pt x="0" y="0"/>
+                </a:moveTo>
+                <a:lnTo>
+                  <a:pt x="120000" y="0"/>
+                </a:lnTo>
+                <a:lnTo>
+                  <a:pt x="120000" y="120000"/>
+                </a:lnTo>
+                <a:lnTo>
+                  <a:pt x="0" y="120000"/>
+                </a:lnTo>
+                <a:close/>
+              </a:path>
+            </a:pathLst>
+          </a:custGeom>
+        </p:spPr>
+      </p:sp>
+      <p:sp>
+        <p:nvSpPr>
+          <p:cNvPr id="261" name="Google Shape;261;g17fcc3e3c4d_11_0:notes"/>
           <p:cNvSpPr txBox="1"/>
           <p:nvPr>
             <p:ph idx="1" type="body"/>
@@ -13465,7 +13565,7 @@
         </p:nvSpPr>
         <p:spPr>
           <a:xfrm>
-            <a:off x="729450" y="1322450"/>
+            <a:off x="727950" y="1224375"/>
             <a:ext cx="7688100" cy="1664700"/>
           </a:xfrm>
           <a:prstGeom prst="rect">
@@ -13494,7 +13594,7 @@
                   <a:schemeClr val="dk1"/>
                 </a:solidFill>
               </a:rPr>
-              <a:t>XÂY DỰNG ỨNG DỤNG TRÊN AWS CHO PHÉP TẠO DATABASE VÀ CUNG CẤP API ĐỂ THÊM, XÓA, SỬA TRÊN DATABASE</a:t>
+              <a:t>Đề tài 11: XÂY DỰNG ỨNG DỤNG TRÊN AWS CHO PHÉP TẠO DATABASE VÀ CUNG CẤP API ĐỂ THÊM, XÓA, SỬA TRÊN DATABASE</a:t>
             </a:r>
             <a:endParaRPr sz="3080">
               <a:solidFill>
@@ -13526,6 +13626,22 @@
             <a:normAutofit/>
           </a:bodyPr>
           <a:lstStyle/>
+          <a:p>
+            <a:pPr indent="0" lvl="0" marL="0" rtl="0" algn="l">
+              <a:spcBef>
+                <a:spcPts val="0"/>
+              </a:spcBef>
+              <a:spcAft>
+                <a:spcPts val="0"/>
+              </a:spcAft>
+              <a:buNone/>
+            </a:pPr>
+            <a:r>
+              <a:rPr lang="vi"/>
+              <a:t>Nhóm 46</a:t>
+            </a:r>
+            <a:endParaRPr/>
+          </a:p>
           <a:p>
             <a:pPr indent="0" lvl="0" marL="0" rtl="0" algn="l">
               <a:spcBef>
@@ -16637,6 +16753,79 @@
 </p:sld>
 </file>
 
+<file path=ppt/slides/slide19.xml><?xml version="1.0" encoding="utf-8"?>
+<p:sld xmlns:a="http://schemas.openxmlformats.org/drawingml/2006/main" xmlns:r="http://schemas.openxmlformats.org/officeDocument/2006/relationships" xmlns:mc="http://schemas.openxmlformats.org/markup-compatibility/2006" xmlns:mv="urn:schemas-microsoft-com:mac:vml" xmlns:p="http://schemas.openxmlformats.org/presentationml/2006/main" xmlns:c="http://schemas.openxmlformats.org/drawingml/2006/chart" xmlns:dgm="http://schemas.openxmlformats.org/drawingml/2006/diagram" xmlns:o="urn:schemas-microsoft-com:office:office" xmlns:v="urn:schemas-microsoft-com:vml" xmlns:pvml="urn:schemas-microsoft-com:office:powerpoint" xmlns:com="http://schemas.openxmlformats.org/drawingml/2006/compatibility" xmlns:p14="http://schemas.microsoft.com/office/powerpoint/2010/main" xmlns:p15="http://schemas.microsoft.com/office/powerpoint/2012/main" xmlns:ahyp="http://schemas.microsoft.com/office/drawing/2018/hyperlinkcolor">
+  <p:cSld>
+    <p:spTree>
+      <p:nvGrpSpPr>
+        <p:cNvPr id="262" name="Shape 262"/>
+        <p:cNvGrpSpPr/>
+        <p:nvPr/>
+      </p:nvGrpSpPr>
+      <p:grpSpPr>
+        <a:xfrm>
+          <a:off x="0" y="0"/>
+          <a:ext cx="0" cy="0"/>
+          <a:chOff x="0" y="0"/>
+          <a:chExt cx="0" cy="0"/>
+        </a:xfrm>
+      </p:grpSpPr>
+      <p:sp>
+        <p:nvSpPr>
+          <p:cNvPr id="263" name="Google Shape;263;p43"/>
+          <p:cNvSpPr txBox="1"/>
+          <p:nvPr>
+            <p:ph type="title"/>
+          </p:nvPr>
+        </p:nvSpPr>
+        <p:spPr>
+          <a:xfrm>
+            <a:off x="727650" y="2430175"/>
+            <a:ext cx="7688700" cy="535200"/>
+          </a:xfrm>
+          <a:prstGeom prst="rect">
+            <a:avLst/>
+          </a:prstGeom>
+        </p:spPr>
+        <p:txBody>
+          <a:bodyPr anchorCtr="0" anchor="t" bIns="91425" lIns="91425" spcFirstLastPara="1" rIns="91425" wrap="square" tIns="91425">
+            <a:normAutofit fontScale="90000"/>
+          </a:bodyPr>
+          <a:lstStyle/>
+          <a:p>
+            <a:pPr indent="0" lvl="0" marL="0" rtl="0" algn="ctr">
+              <a:spcBef>
+                <a:spcPts val="0"/>
+              </a:spcBef>
+              <a:spcAft>
+                <a:spcPts val="0"/>
+              </a:spcAft>
+              <a:buNone/>
+            </a:pPr>
+            <a:r>
+              <a:rPr lang="vi">
+                <a:solidFill>
+                  <a:schemeClr val="dk1"/>
+                </a:solidFill>
+              </a:rPr>
+              <a:t>Demo Chức năng của trang web</a:t>
+            </a:r>
+            <a:endParaRPr>
+              <a:solidFill>
+                <a:schemeClr val="dk1"/>
+              </a:solidFill>
+            </a:endParaRPr>
+          </a:p>
+        </p:txBody>
+      </p:sp>
+    </p:spTree>
+  </p:cSld>
+  <p:clrMapOvr>
+    <a:masterClrMapping/>
+  </p:clrMapOvr>
+</p:sld>
+</file>
+
 <file path=ppt/slides/slide2.xml><?xml version="1.0" encoding="utf-8"?>
 <p:sld xmlns:a="http://schemas.openxmlformats.org/drawingml/2006/main" xmlns:r="http://schemas.openxmlformats.org/officeDocument/2006/relationships" xmlns:mc="http://schemas.openxmlformats.org/markup-compatibility/2006" xmlns:mv="urn:schemas-microsoft-com:mac:vml" xmlns:p="http://schemas.openxmlformats.org/presentationml/2006/main" xmlns:c="http://schemas.openxmlformats.org/drawingml/2006/chart" xmlns:dgm="http://schemas.openxmlformats.org/drawingml/2006/diagram" xmlns:o="urn:schemas-microsoft-com:office:office" xmlns:v="urn:schemas-microsoft-com:vml" xmlns:pvml="urn:schemas-microsoft-com:office:powerpoint" xmlns:com="http://schemas.openxmlformats.org/drawingml/2006/compatibility" xmlns:p14="http://schemas.microsoft.com/office/powerpoint/2010/main" xmlns:p15="http://schemas.microsoft.com/office/powerpoint/2012/main" xmlns:ahyp="http://schemas.microsoft.com/office/drawing/2018/hyperlinkcolor">
   <p:cSld>
@@ -16740,7 +16929,7 @@
             </a:r>
             <a:r>
               <a:rPr lang="vi" sz="1500"/>
-              <a:t>AWS Lambda là một dịch vụ được cung cấp và quản lý bởi đội ngũ AWS, dịch vụ này cung cấp cho người dùng khả năng tạo các Function, các Function này sẽ được chạy trên các ngôn ngữ mặc định mà AWS đã đưa ra, người dùng có thể chọn một ngôn ngữ và thực hiện viết và đưa vào các doạn code của chính mình, các đoạn code này có thể ảnh hưởng trực tiếp hoặc gián tiếp đến các dịch vụ của AWS tùy theo mục đích và sẽ được thực hiện khi Function được gọi.</a:t>
+              <a:t>AWS Lambda là một dịch vụ được cung cấp và quản lý bởi đội ngũ AWS, dịch vụ này cung cấp cho người dùng khả năng tạo các Function, các Function này sẽ được chạy trên các ngôn ngữ mặc định mà AWS đã đưa ra, người dùng có thể chọn một ngôn ngữ và thực hiện viết và đưa vào các đoạn code của chính mình, các đoạn code này có thể ảnh hưởng trực tiếp hoặc gián tiếp đến các dịch vụ của AWS tùy theo mục đích và sẽ được thực hiện khi Function được gọi.</a:t>
             </a:r>
             <a:endParaRPr sz="1500"/>
           </a:p>
@@ -16885,7 +17074,7 @@
             </a:r>
             <a:r>
               <a:rPr lang="vi" sz="1500"/>
-              <a:t>AWS DynamoDB là một dạng cơ sở dữ liệu phi quan hệ (NoSQL) được lưu trữ ngay trên môi trường của AWS. Dịch vụ này cung cấp cho người dùng một Database duy nhất và người dùng có thể thông quan Database đó tạo ra những bảng (Table) để lưu trữ các dữ liệu của bản thân.</a:t>
+              <a:t>AWS DynamoDB là một dạng cơ sở dữ liệu phi quan hệ (NoSQL) được lưu trữ ngay trên môi trường của AWS. Dịch vụ này cung cấp cho người dùng một Database duy nhất và người dùng có thể thông qua Database đó tạo ra những bảng (Table) để lưu trữ các dữ liệu của bản thân.</a:t>
             </a:r>
             <a:endParaRPr sz="1500"/>
           </a:p>
@@ -17608,7 +17797,7 @@
                   <a:schemeClr val="dk1"/>
                 </a:solidFill>
               </a:rPr>
-              <a:t>Cách triển khai các chức năng có trong đồ án</a:t>
+              <a:t>Các chức năng có trong đồ án</a:t>
             </a:r>
             <a:endParaRPr>
               <a:solidFill>
@@ -18213,7 +18402,7 @@
             </a:pPr>
             <a:r>
               <a:rPr lang="vi" sz="1700"/>
-              <a:t>DeleteAnitem</a:t>
+              <a:t>DeleteAnItem</a:t>
             </a:r>
             <a:endParaRPr sz="1700"/>
           </a:p>
@@ -18372,285 +18561,6 @@
 </file>
 
 <file path=ppt/theme/theme1.xml><?xml version="1.0" encoding="utf-8"?>
-<a:theme xmlns:a="http://schemas.openxmlformats.org/drawingml/2006/main" xmlns:r="http://schemas.openxmlformats.org/officeDocument/2006/relationships" name="Streamline">
-  <a:themeElements>
-    <a:clrScheme name="Streamline">
-      <a:dk1>
-        <a:srgbClr val="1A9988"/>
-      </a:dk1>
-      <a:lt1>
-        <a:srgbClr val="FFFFFF"/>
-      </a:lt1>
-      <a:dk2>
-        <a:srgbClr val="1A1A1A"/>
-      </a:dk2>
-      <a:lt2>
-        <a:srgbClr val="E9EDEE"/>
-      </a:lt2>
-      <a:accent1>
-        <a:srgbClr val="595959"/>
-      </a:accent1>
-      <a:accent2>
-        <a:srgbClr val="6AA4C8"/>
-      </a:accent2>
-      <a:accent3>
-        <a:srgbClr val="EB5600"/>
-      </a:accent3>
-      <a:accent4>
-        <a:srgbClr val="A2FFE8"/>
-      </a:accent4>
-      <a:accent5>
-        <a:srgbClr val="1C3678"/>
-      </a:accent5>
-      <a:accent6>
-        <a:srgbClr val="FFB8A2"/>
-      </a:accent6>
-      <a:hlink>
-        <a:srgbClr val="1C3678"/>
-      </a:hlink>
-      <a:folHlink>
-        <a:srgbClr val="1C3678"/>
-      </a:folHlink>
-    </a:clrScheme>
-    <a:fontScheme name="Office">
-      <a:majorFont>
-        <a:latin typeface="Arial"/>
-        <a:ea typeface=""/>
-        <a:cs typeface=""/>
-        <a:font script="Jpan" typeface="ＭＳ Ｐゴシック"/>
-        <a:font script="Hang" typeface="맑은 고딕"/>
-        <a:font script="Hans" typeface="宋体"/>
-        <a:font script="Hant" typeface="新細明體"/>
-        <a:font script="Arab" typeface="Times New Roman"/>
-        <a:font script="Hebr" typeface="Times New Roman"/>
-        <a:font script="Thai" typeface="Angsana New"/>
-        <a:font script="Ethi" typeface="Nyala"/>
-        <a:font script="Beng" typeface="Vrinda"/>
-        <a:font script="Gujr" typeface="Shruti"/>
-        <a:font script="Khmr" typeface="MoolBoran"/>
-        <a:font script="Knda" typeface="Tunga"/>
-        <a:font script="Guru" typeface="Raavi"/>
-        <a:font script="Cans" typeface="Euphemia"/>
-        <a:font script="Cher" typeface="Plantagenet Cherokee"/>
-        <a:font script="Yiii" typeface="Microsoft Yi Baiti"/>
-        <a:font script="Tibt" typeface="Microsoft Himalaya"/>
-        <a:font script="Thaa" typeface="MV Boli"/>
-        <a:font script="Deva" typeface="Mangal"/>
-        <a:font script="Telu" typeface="Gautami"/>
-        <a:font script="Taml" typeface="Latha"/>
-        <a:font script="Syrc" typeface="Estrangelo Edessa"/>
-        <a:font script="Orya" typeface="Kalinga"/>
-        <a:font script="Mlym" typeface="Kartika"/>
-        <a:font script="Laoo" typeface="DokChampa"/>
-        <a:font script="Sinh" typeface="Iskoola Pota"/>
-        <a:font script="Mong" typeface="Mongolian Baiti"/>
-        <a:font script="Viet" typeface="Times New Roman"/>
-        <a:font script="Uigh" typeface="Microsoft Uighur"/>
-        <a:font script="Geor" typeface="Sylfaen"/>
-      </a:majorFont>
-      <a:minorFont>
-        <a:latin typeface="Arial"/>
-        <a:ea typeface=""/>
-        <a:cs typeface=""/>
-        <a:font script="Jpan" typeface="ＭＳ Ｐゴシック"/>
-        <a:font script="Hang" typeface="맑은 고딕"/>
-        <a:font script="Hans" typeface="宋体"/>
-        <a:font script="Hant" typeface="新細明體"/>
-        <a:font script="Arab" typeface="Arial"/>
-        <a:font script="Hebr" typeface="Arial"/>
-        <a:font script="Thai" typeface="Cordia New"/>
-        <a:font script="Ethi" typeface="Nyala"/>
-        <a:font script="Beng" typeface="Vrinda"/>
-        <a:font script="Gujr" typeface="Shruti"/>
-        <a:font script="Khmr" typeface="DaunPenh"/>
-        <a:font script="Knda" typeface="Tunga"/>
-        <a:font script="Guru" typeface="Raavi"/>
-        <a:font script="Cans" typeface="Euphemia"/>
-        <a:font script="Cher" typeface="Plantagenet Cherokee"/>
-        <a:font script="Yiii" typeface="Microsoft Yi Baiti"/>
-        <a:font script="Tibt" typeface="Microsoft Himalaya"/>
-        <a:font script="Thaa" typeface="MV Boli"/>
-        <a:font script="Deva" typeface="Mangal"/>
-        <a:font script="Telu" typeface="Gautami"/>
-        <a:font script="Taml" typeface="Latha"/>
-        <a:font script="Syrc" typeface="Estrangelo Edessa"/>
-        <a:font script="Orya" typeface="Kalinga"/>
-        <a:font script="Mlym" typeface="Kartika"/>
-        <a:font script="Laoo" typeface="DokChampa"/>
-        <a:font script="Sinh" typeface="Iskoola Pota"/>
-        <a:font script="Mong" typeface="Mongolian Baiti"/>
-        <a:font script="Viet" typeface="Arial"/>
-        <a:font script="Uigh" typeface="Microsoft Uighur"/>
-        <a:font script="Geor" typeface="Sylfaen"/>
-      </a:minorFont>
-    </a:fontScheme>
-    <a:fmtScheme name="Office">
-      <a:fillStyleLst>
-        <a:solidFill>
-          <a:schemeClr val="phClr"/>
-        </a:solidFill>
-        <a:gradFill rotWithShape="1">
-          <a:gsLst>
-            <a:gs pos="0">
-              <a:schemeClr val="phClr">
-                <a:tint val="50000"/>
-                <a:satMod val="300000"/>
-              </a:schemeClr>
-            </a:gs>
-            <a:gs pos="35000">
-              <a:schemeClr val="phClr">
-                <a:tint val="37000"/>
-                <a:satMod val="300000"/>
-              </a:schemeClr>
-            </a:gs>
-            <a:gs pos="100000">
-              <a:schemeClr val="phClr">
-                <a:tint val="15000"/>
-                <a:satMod val="350000"/>
-              </a:schemeClr>
-            </a:gs>
-          </a:gsLst>
-          <a:lin ang="16200000" scaled="1"/>
-        </a:gradFill>
-        <a:gradFill rotWithShape="1">
-          <a:gsLst>
-            <a:gs pos="0">
-              <a:schemeClr val="phClr">
-                <a:tint val="100000"/>
-                <a:shade val="100000"/>
-                <a:satMod val="130000"/>
-              </a:schemeClr>
-            </a:gs>
-            <a:gs pos="100000">
-              <a:schemeClr val="phClr">
-                <a:tint val="50000"/>
-                <a:shade val="100000"/>
-                <a:satMod val="350000"/>
-              </a:schemeClr>
-            </a:gs>
-          </a:gsLst>
-          <a:lin ang="16200000" scaled="0"/>
-        </a:gradFill>
-      </a:fillStyleLst>
-      <a:lnStyleLst>
-        <a:ln w="9525" cap="flat" cmpd="sng" algn="ctr">
-          <a:solidFill>
-            <a:schemeClr val="phClr">
-              <a:shade val="95000"/>
-              <a:satMod val="105000"/>
-            </a:schemeClr>
-          </a:solidFill>
-          <a:prstDash val="solid"/>
-        </a:ln>
-        <a:ln w="25400" cap="flat" cmpd="sng" algn="ctr">
-          <a:solidFill>
-            <a:schemeClr val="phClr"/>
-          </a:solidFill>
-          <a:prstDash val="solid"/>
-        </a:ln>
-        <a:ln w="38100" cap="flat" cmpd="sng" algn="ctr">
-          <a:solidFill>
-            <a:schemeClr val="phClr"/>
-          </a:solidFill>
-          <a:prstDash val="solid"/>
-        </a:ln>
-      </a:lnStyleLst>
-      <a:effectStyleLst>
-        <a:effectStyle>
-          <a:effectLst>
-            <a:outerShdw blurRad="40000" dist="20000" dir="5400000" rotWithShape="0">
-              <a:srgbClr val="000000">
-                <a:alpha val="38000"/>
-              </a:srgbClr>
-            </a:outerShdw>
-          </a:effectLst>
-        </a:effectStyle>
-        <a:effectStyle>
-          <a:effectLst>
-            <a:outerShdw blurRad="40000" dist="23000" dir="5400000" rotWithShape="0">
-              <a:srgbClr val="000000">
-                <a:alpha val="35000"/>
-              </a:srgbClr>
-            </a:outerShdw>
-          </a:effectLst>
-        </a:effectStyle>
-        <a:effectStyle>
-          <a:effectLst>
-            <a:outerShdw blurRad="40000" dist="23000" dir="5400000" rotWithShape="0">
-              <a:srgbClr val="000000">
-                <a:alpha val="35000"/>
-              </a:srgbClr>
-            </a:outerShdw>
-          </a:effectLst>
-          <a:scene3d>
-            <a:camera prst="orthographicFront">
-              <a:rot lat="0" lon="0" rev="0"/>
-            </a:camera>
-            <a:lightRig rig="threePt" dir="t">
-              <a:rot lat="0" lon="0" rev="1200000"/>
-            </a:lightRig>
-          </a:scene3d>
-          <a:sp3d>
-            <a:bevelT w="63500" h="25400"/>
-          </a:sp3d>
-        </a:effectStyle>
-      </a:effectStyleLst>
-      <a:bgFillStyleLst>
-        <a:solidFill>
-          <a:schemeClr val="phClr"/>
-        </a:solidFill>
-        <a:gradFill rotWithShape="1">
-          <a:gsLst>
-            <a:gs pos="0">
-              <a:schemeClr val="phClr">
-                <a:tint val="40000"/>
-                <a:satMod val="350000"/>
-              </a:schemeClr>
-            </a:gs>
-            <a:gs pos="40000">
-              <a:schemeClr val="phClr">
-                <a:tint val="45000"/>
-                <a:shade val="99000"/>
-                <a:satMod val="350000"/>
-              </a:schemeClr>
-            </a:gs>
-            <a:gs pos="100000">
-              <a:schemeClr val="phClr">
-                <a:shade val="20000"/>
-                <a:satMod val="255000"/>
-              </a:schemeClr>
-            </a:gs>
-          </a:gsLst>
-          <a:path path="circle">
-            <a:fillToRect l="50000" t="-80000" r="50000" b="180000"/>
-          </a:path>
-        </a:gradFill>
-        <a:gradFill rotWithShape="1">
-          <a:gsLst>
-            <a:gs pos="0">
-              <a:schemeClr val="phClr">
-                <a:tint val="80000"/>
-                <a:satMod val="300000"/>
-              </a:schemeClr>
-            </a:gs>
-            <a:gs pos="100000">
-              <a:schemeClr val="phClr">
-                <a:shade val="30000"/>
-                <a:satMod val="200000"/>
-              </a:schemeClr>
-            </a:gs>
-          </a:gsLst>
-          <a:path path="circle">
-            <a:fillToRect l="50000" t="50000" r="50000" b="50000"/>
-          </a:path>
-        </a:gradFill>
-      </a:bgFillStyleLst>
-    </a:fmtScheme>
-  </a:themeElements>
-</a:theme>
-</file>
-
-<file path=ppt/theme/theme2.xml><?xml version="1.0" encoding="utf-8"?>
 <a:theme xmlns:a="http://schemas.openxmlformats.org/drawingml/2006/main" xmlns:r="http://schemas.openxmlformats.org/officeDocument/2006/relationships" name="Simple Light">
   <a:themeElements>
     <a:clrScheme name="Simple Light">
@@ -18929,7 +18839,7 @@
 </a:theme>
 </file>
 
-<file path=ppt/theme/theme3.xml><?xml version="1.0" encoding="utf-8"?>
+<file path=ppt/theme/theme2.xml><?xml version="1.0" encoding="utf-8"?>
 <a:theme xmlns:a="http://schemas.openxmlformats.org/drawingml/2006/main" xmlns:r="http://schemas.openxmlformats.org/officeDocument/2006/relationships">
   <a:themeElements>
     <a:clrScheme name="Default">
@@ -19206,4 +19116,283 @@
     </a:fmtScheme>
   </a:themeElements>
 </a:theme>
+</file>
+
+<file path=ppt/theme/theme3.xml><?xml version="1.0" encoding="utf-8"?>
+<a:theme xmlns:a="http://schemas.openxmlformats.org/drawingml/2006/main" xmlns:r="http://schemas.openxmlformats.org/officeDocument/2006/relationships" name="Streamline">
+  <a:themeElements>
+    <a:clrScheme name="Streamline">
+      <a:dk1>
+        <a:srgbClr val="1A9988"/>
+      </a:dk1>
+      <a:lt1>
+        <a:srgbClr val="FFFFFF"/>
+      </a:lt1>
+      <a:dk2>
+        <a:srgbClr val="1A1A1A"/>
+      </a:dk2>
+      <a:lt2>
+        <a:srgbClr val="E9EDEE"/>
+      </a:lt2>
+      <a:accent1>
+        <a:srgbClr val="595959"/>
+      </a:accent1>
+      <a:accent2>
+        <a:srgbClr val="6AA4C8"/>
+      </a:accent2>
+      <a:accent3>
+        <a:srgbClr val="EB5600"/>
+      </a:accent3>
+      <a:accent4>
+        <a:srgbClr val="A2FFE8"/>
+      </a:accent4>
+      <a:accent5>
+        <a:srgbClr val="1C3678"/>
+      </a:accent5>
+      <a:accent6>
+        <a:srgbClr val="FFB8A2"/>
+      </a:accent6>
+      <a:hlink>
+        <a:srgbClr val="1C3678"/>
+      </a:hlink>
+      <a:folHlink>
+        <a:srgbClr val="1C3678"/>
+      </a:folHlink>
+    </a:clrScheme>
+    <a:fontScheme name="Office">
+      <a:majorFont>
+        <a:latin typeface="Arial"/>
+        <a:ea typeface=""/>
+        <a:cs typeface=""/>
+        <a:font script="Jpan" typeface="ＭＳ Ｐゴシック"/>
+        <a:font script="Hang" typeface="맑은 고딕"/>
+        <a:font script="Hans" typeface="宋体"/>
+        <a:font script="Hant" typeface="新細明體"/>
+        <a:font script="Arab" typeface="Times New Roman"/>
+        <a:font script="Hebr" typeface="Times New Roman"/>
+        <a:font script="Thai" typeface="Angsana New"/>
+        <a:font script="Ethi" typeface="Nyala"/>
+        <a:font script="Beng" typeface="Vrinda"/>
+        <a:font script="Gujr" typeface="Shruti"/>
+        <a:font script="Khmr" typeface="MoolBoran"/>
+        <a:font script="Knda" typeface="Tunga"/>
+        <a:font script="Guru" typeface="Raavi"/>
+        <a:font script="Cans" typeface="Euphemia"/>
+        <a:font script="Cher" typeface="Plantagenet Cherokee"/>
+        <a:font script="Yiii" typeface="Microsoft Yi Baiti"/>
+        <a:font script="Tibt" typeface="Microsoft Himalaya"/>
+        <a:font script="Thaa" typeface="MV Boli"/>
+        <a:font script="Deva" typeface="Mangal"/>
+        <a:font script="Telu" typeface="Gautami"/>
+        <a:font script="Taml" typeface="Latha"/>
+        <a:font script="Syrc" typeface="Estrangelo Edessa"/>
+        <a:font script="Orya" typeface="Kalinga"/>
+        <a:font script="Mlym" typeface="Kartika"/>
+        <a:font script="Laoo" typeface="DokChampa"/>
+        <a:font script="Sinh" typeface="Iskoola Pota"/>
+        <a:font script="Mong" typeface="Mongolian Baiti"/>
+        <a:font script="Viet" typeface="Times New Roman"/>
+        <a:font script="Uigh" typeface="Microsoft Uighur"/>
+        <a:font script="Geor" typeface="Sylfaen"/>
+      </a:majorFont>
+      <a:minorFont>
+        <a:latin typeface="Arial"/>
+        <a:ea typeface=""/>
+        <a:cs typeface=""/>
+        <a:font script="Jpan" typeface="ＭＳ Ｐゴシック"/>
+        <a:font script="Hang" typeface="맑은 고딕"/>
+        <a:font script="Hans" typeface="宋体"/>
+        <a:font script="Hant" typeface="新細明體"/>
+        <a:font script="Arab" typeface="Arial"/>
+        <a:font script="Hebr" typeface="Arial"/>
+        <a:font script="Thai" typeface="Cordia New"/>
+        <a:font script="Ethi" typeface="Nyala"/>
+        <a:font script="Beng" typeface="Vrinda"/>
+        <a:font script="Gujr" typeface="Shruti"/>
+        <a:font script="Khmr" typeface="DaunPenh"/>
+        <a:font script="Knda" typeface="Tunga"/>
+        <a:font script="Guru" typeface="Raavi"/>
+        <a:font script="Cans" typeface="Euphemia"/>
+        <a:font script="Cher" typeface="Plantagenet Cherokee"/>
+        <a:font script="Yiii" typeface="Microsoft Yi Baiti"/>
+        <a:font script="Tibt" typeface="Microsoft Himalaya"/>
+        <a:font script="Thaa" typeface="MV Boli"/>
+        <a:font script="Deva" typeface="Mangal"/>
+        <a:font script="Telu" typeface="Gautami"/>
+        <a:font script="Taml" typeface="Latha"/>
+        <a:font script="Syrc" typeface="Estrangelo Edessa"/>
+        <a:font script="Orya" typeface="Kalinga"/>
+        <a:font script="Mlym" typeface="Kartika"/>
+        <a:font script="Laoo" typeface="DokChampa"/>
+        <a:font script="Sinh" typeface="Iskoola Pota"/>
+        <a:font script="Mong" typeface="Mongolian Baiti"/>
+        <a:font script="Viet" typeface="Arial"/>
+        <a:font script="Uigh" typeface="Microsoft Uighur"/>
+        <a:font script="Geor" typeface="Sylfaen"/>
+      </a:minorFont>
+    </a:fontScheme>
+    <a:fmtScheme name="Office">
+      <a:fillStyleLst>
+        <a:solidFill>
+          <a:schemeClr val="phClr"/>
+        </a:solidFill>
+        <a:gradFill rotWithShape="1">
+          <a:gsLst>
+            <a:gs pos="0">
+              <a:schemeClr val="phClr">
+                <a:tint val="50000"/>
+                <a:satMod val="300000"/>
+              </a:schemeClr>
+            </a:gs>
+            <a:gs pos="35000">
+              <a:schemeClr val="phClr">
+                <a:tint val="37000"/>
+                <a:satMod val="300000"/>
+              </a:schemeClr>
+            </a:gs>
+            <a:gs pos="100000">
+              <a:schemeClr val="phClr">
+                <a:tint val="15000"/>
+                <a:satMod val="350000"/>
+              </a:schemeClr>
+            </a:gs>
+          </a:gsLst>
+          <a:lin ang="16200000" scaled="1"/>
+        </a:gradFill>
+        <a:gradFill rotWithShape="1">
+          <a:gsLst>
+            <a:gs pos="0">
+              <a:schemeClr val="phClr">
+                <a:tint val="100000"/>
+                <a:shade val="100000"/>
+                <a:satMod val="130000"/>
+              </a:schemeClr>
+            </a:gs>
+            <a:gs pos="100000">
+              <a:schemeClr val="phClr">
+                <a:tint val="50000"/>
+                <a:shade val="100000"/>
+                <a:satMod val="350000"/>
+              </a:schemeClr>
+            </a:gs>
+          </a:gsLst>
+          <a:lin ang="16200000" scaled="0"/>
+        </a:gradFill>
+      </a:fillStyleLst>
+      <a:lnStyleLst>
+        <a:ln w="9525" cap="flat" cmpd="sng" algn="ctr">
+          <a:solidFill>
+            <a:schemeClr val="phClr">
+              <a:shade val="95000"/>
+              <a:satMod val="105000"/>
+            </a:schemeClr>
+          </a:solidFill>
+          <a:prstDash val="solid"/>
+        </a:ln>
+        <a:ln w="25400" cap="flat" cmpd="sng" algn="ctr">
+          <a:solidFill>
+            <a:schemeClr val="phClr"/>
+          </a:solidFill>
+          <a:prstDash val="solid"/>
+        </a:ln>
+        <a:ln w="38100" cap="flat" cmpd="sng" algn="ctr">
+          <a:solidFill>
+            <a:schemeClr val="phClr"/>
+          </a:solidFill>
+          <a:prstDash val="solid"/>
+        </a:ln>
+      </a:lnStyleLst>
+      <a:effectStyleLst>
+        <a:effectStyle>
+          <a:effectLst>
+            <a:outerShdw blurRad="40000" dist="20000" dir="5400000" rotWithShape="0">
+              <a:srgbClr val="000000">
+                <a:alpha val="38000"/>
+              </a:srgbClr>
+            </a:outerShdw>
+          </a:effectLst>
+        </a:effectStyle>
+        <a:effectStyle>
+          <a:effectLst>
+            <a:outerShdw blurRad="40000" dist="23000" dir="5400000" rotWithShape="0">
+              <a:srgbClr val="000000">
+                <a:alpha val="35000"/>
+              </a:srgbClr>
+            </a:outerShdw>
+          </a:effectLst>
+        </a:effectStyle>
+        <a:effectStyle>
+          <a:effectLst>
+            <a:outerShdw blurRad="40000" dist="23000" dir="5400000" rotWithShape="0">
+              <a:srgbClr val="000000">
+                <a:alpha val="35000"/>
+              </a:srgbClr>
+            </a:outerShdw>
+          </a:effectLst>
+          <a:scene3d>
+            <a:camera prst="orthographicFront">
+              <a:rot lat="0" lon="0" rev="0"/>
+            </a:camera>
+            <a:lightRig rig="threePt" dir="t">
+              <a:rot lat="0" lon="0" rev="1200000"/>
+            </a:lightRig>
+          </a:scene3d>
+          <a:sp3d>
+            <a:bevelT w="63500" h="25400"/>
+          </a:sp3d>
+        </a:effectStyle>
+      </a:effectStyleLst>
+      <a:bgFillStyleLst>
+        <a:solidFill>
+          <a:schemeClr val="phClr"/>
+        </a:solidFill>
+        <a:gradFill rotWithShape="1">
+          <a:gsLst>
+            <a:gs pos="0">
+              <a:schemeClr val="phClr">
+                <a:tint val="40000"/>
+                <a:satMod val="350000"/>
+              </a:schemeClr>
+            </a:gs>
+            <a:gs pos="40000">
+              <a:schemeClr val="phClr">
+                <a:tint val="45000"/>
+                <a:shade val="99000"/>
+                <a:satMod val="350000"/>
+              </a:schemeClr>
+            </a:gs>
+            <a:gs pos="100000">
+              <a:schemeClr val="phClr">
+                <a:shade val="20000"/>
+                <a:satMod val="255000"/>
+              </a:schemeClr>
+            </a:gs>
+          </a:gsLst>
+          <a:path path="circle">
+            <a:fillToRect l="50000" t="-80000" r="50000" b="180000"/>
+          </a:path>
+        </a:gradFill>
+        <a:gradFill rotWithShape="1">
+          <a:gsLst>
+            <a:gs pos="0">
+              <a:schemeClr val="phClr">
+                <a:tint val="80000"/>
+                <a:satMod val="300000"/>
+              </a:schemeClr>
+            </a:gs>
+            <a:gs pos="100000">
+              <a:schemeClr val="phClr">
+                <a:shade val="30000"/>
+                <a:satMod val="200000"/>
+              </a:schemeClr>
+            </a:gs>
+          </a:gsLst>
+          <a:path path="circle">
+            <a:fillToRect l="50000" t="50000" r="50000" b="50000"/>
+          </a:path>
+        </a:gradFill>
+      </a:bgFillStyleLst>
+    </a:fmtScheme>
+  </a:themeElements>
+</a:theme>
 </file>